--- a/ronbun/src/fig/model/table_para.pptx
+++ b/ronbun/src/fig/model/table_para.pptx
@@ -243,7 +243,7 @@
           <a:p>
             <a:fld id="{96132B7A-14F9-4B03-9E81-9B4B4A3BEE0D}" type="datetimeFigureOut">
               <a:rPr kumimoji="1" lang="ja-JP" altLang="en-US" smtClean="0"/>
-              <a:t>2021/1/20</a:t>
+              <a:t>2021/1/21</a:t>
             </a:fld>
             <a:endParaRPr kumimoji="1" lang="ja-JP" altLang="en-US"/>
           </a:p>
@@ -445,7 +445,7 @@
           <a:p>
             <a:fld id="{96132B7A-14F9-4B03-9E81-9B4B4A3BEE0D}" type="datetimeFigureOut">
               <a:rPr kumimoji="1" lang="ja-JP" altLang="en-US" smtClean="0"/>
-              <a:t>2021/1/20</a:t>
+              <a:t>2021/1/21</a:t>
             </a:fld>
             <a:endParaRPr kumimoji="1" lang="ja-JP" altLang="en-US"/>
           </a:p>
@@ -657,7 +657,7 @@
           <a:p>
             <a:fld id="{96132B7A-14F9-4B03-9E81-9B4B4A3BEE0D}" type="datetimeFigureOut">
               <a:rPr kumimoji="1" lang="ja-JP" altLang="en-US" smtClean="0"/>
-              <a:t>2021/1/20</a:t>
+              <a:t>2021/1/21</a:t>
             </a:fld>
             <a:endParaRPr kumimoji="1" lang="ja-JP" altLang="en-US"/>
           </a:p>
@@ -859,7 +859,7 @@
           <a:p>
             <a:fld id="{96132B7A-14F9-4B03-9E81-9B4B4A3BEE0D}" type="datetimeFigureOut">
               <a:rPr kumimoji="1" lang="ja-JP" altLang="en-US" smtClean="0"/>
-              <a:t>2021/1/20</a:t>
+              <a:t>2021/1/21</a:t>
             </a:fld>
             <a:endParaRPr kumimoji="1" lang="ja-JP" altLang="en-US"/>
           </a:p>
@@ -1103,7 +1103,7 @@
           <a:p>
             <a:fld id="{96132B7A-14F9-4B03-9E81-9B4B4A3BEE0D}" type="datetimeFigureOut">
               <a:rPr kumimoji="1" lang="ja-JP" altLang="en-US" smtClean="0"/>
-              <a:t>2021/1/20</a:t>
+              <a:t>2021/1/21</a:t>
             </a:fld>
             <a:endParaRPr kumimoji="1" lang="ja-JP" altLang="en-US"/>
           </a:p>
@@ -1399,7 +1399,7 @@
           <a:p>
             <a:fld id="{96132B7A-14F9-4B03-9E81-9B4B4A3BEE0D}" type="datetimeFigureOut">
               <a:rPr kumimoji="1" lang="ja-JP" altLang="en-US" smtClean="0"/>
-              <a:t>2021/1/20</a:t>
+              <a:t>2021/1/21</a:t>
             </a:fld>
             <a:endParaRPr kumimoji="1" lang="ja-JP" altLang="en-US"/>
           </a:p>
@@ -1830,7 +1830,7 @@
           <a:p>
             <a:fld id="{96132B7A-14F9-4B03-9E81-9B4B4A3BEE0D}" type="datetimeFigureOut">
               <a:rPr kumimoji="1" lang="ja-JP" altLang="en-US" smtClean="0"/>
-              <a:t>2021/1/20</a:t>
+              <a:t>2021/1/21</a:t>
             </a:fld>
             <a:endParaRPr kumimoji="1" lang="ja-JP" altLang="en-US"/>
           </a:p>
@@ -1948,7 +1948,7 @@
           <a:p>
             <a:fld id="{96132B7A-14F9-4B03-9E81-9B4B4A3BEE0D}" type="datetimeFigureOut">
               <a:rPr kumimoji="1" lang="ja-JP" altLang="en-US" smtClean="0"/>
-              <a:t>2021/1/20</a:t>
+              <a:t>2021/1/21</a:t>
             </a:fld>
             <a:endParaRPr kumimoji="1" lang="ja-JP" altLang="en-US"/>
           </a:p>
@@ -2043,7 +2043,7 @@
           <a:p>
             <a:fld id="{96132B7A-14F9-4B03-9E81-9B4B4A3BEE0D}" type="datetimeFigureOut">
               <a:rPr kumimoji="1" lang="ja-JP" altLang="en-US" smtClean="0"/>
-              <a:t>2021/1/20</a:t>
+              <a:t>2021/1/21</a:t>
             </a:fld>
             <a:endParaRPr kumimoji="1" lang="ja-JP" altLang="en-US"/>
           </a:p>
@@ -2352,7 +2352,7 @@
           <a:p>
             <a:fld id="{96132B7A-14F9-4B03-9E81-9B4B4A3BEE0D}" type="datetimeFigureOut">
               <a:rPr kumimoji="1" lang="ja-JP" altLang="en-US" smtClean="0"/>
-              <a:t>2021/1/20</a:t>
+              <a:t>2021/1/21</a:t>
             </a:fld>
             <a:endParaRPr kumimoji="1" lang="ja-JP" altLang="en-US"/>
           </a:p>
@@ -2609,7 +2609,7 @@
           <a:p>
             <a:fld id="{96132B7A-14F9-4B03-9E81-9B4B4A3BEE0D}" type="datetimeFigureOut">
               <a:rPr kumimoji="1" lang="ja-JP" altLang="en-US" smtClean="0"/>
-              <a:t>2021/1/20</a:t>
+              <a:t>2021/1/21</a:t>
             </a:fld>
             <a:endParaRPr kumimoji="1" lang="ja-JP" altLang="en-US"/>
           </a:p>
@@ -2854,7 +2854,7 @@
           <a:p>
             <a:fld id="{96132B7A-14F9-4B03-9E81-9B4B4A3BEE0D}" type="datetimeFigureOut">
               <a:rPr kumimoji="1" lang="ja-JP" altLang="en-US" smtClean="0"/>
-              <a:t>2021/1/20</a:t>
+              <a:t>2021/1/21</a:t>
             </a:fld>
             <a:endParaRPr kumimoji="1" lang="ja-JP" altLang="en-US"/>
           </a:p>
@@ -3276,7 +3276,7 @@
               <p:nvPr>
                 <p:extLst>
                   <p:ext uri="{D42A27DB-BD31-4B8C-83A1-F6EECF244321}">
-                    <p14:modId xmlns:p14="http://schemas.microsoft.com/office/powerpoint/2010/main" val="1563608306"/>
+                    <p14:modId xmlns:p14="http://schemas.microsoft.com/office/powerpoint/2010/main" val="340214249"/>
                   </p:ext>
                 </p:extLst>
               </p:nvPr>
@@ -3292,28 +3292,28 @@
                     <a:tableStyleId>{5C22544A-7EE6-4342-B048-85BDC9FD1C3A}</a:tableStyleId>
                   </a:tblPr>
                   <a:tblGrid>
-                    <a:gridCol w="2142959">
+                    <a:gridCol w="1883649">
                       <a:extLst>
                         <a:ext uri="{9D8B030D-6E8A-4147-A177-3AD203B41FA5}">
                           <a16:colId xmlns:a16="http://schemas.microsoft.com/office/drawing/2014/main" val="2975988940"/>
                         </a:ext>
                       </a:extLst>
                     </a:gridCol>
-                    <a:gridCol w="497305">
+                    <a:gridCol w="533400">
                       <a:extLst>
                         <a:ext uri="{9D8B030D-6E8A-4147-A177-3AD203B41FA5}">
                           <a16:colId xmlns:a16="http://schemas.microsoft.com/office/drawing/2014/main" val="613174984"/>
                         </a:ext>
                       </a:extLst>
                     </a:gridCol>
-                    <a:gridCol w="2458624">
+                    <a:gridCol w="2720340">
                       <a:extLst>
                         <a:ext uri="{9D8B030D-6E8A-4147-A177-3AD203B41FA5}">
                           <a16:colId xmlns:a16="http://schemas.microsoft.com/office/drawing/2014/main" val="1673692040"/>
                         </a:ext>
                       </a:extLst>
                     </a:gridCol>
-                    <a:gridCol w="695330">
+                    <a:gridCol w="656829">
                       <a:extLst>
                         <a:ext uri="{9D8B030D-6E8A-4147-A177-3AD203B41FA5}">
                           <a16:colId xmlns:a16="http://schemas.microsoft.com/office/drawing/2014/main" val="3046534917"/>
@@ -6370,6 +6370,24 @@
                                       </a:solidFill>
                                       <a:latin typeface="Cambria Math" panose="02040503050406030204" pitchFamily="18" charset="0"/>
                                     </a:rPr>
+                                    <m:t>𝑔</m:t>
+                                  </m:r>
+                                  <m:r>
+                                    <a:rPr kumimoji="1" lang="en-US" altLang="ja-JP" sz="1050" b="0" i="1" smtClean="0">
+                                      <a:solidFill>
+                                        <a:sysClr val="windowText" lastClr="000000"/>
+                                      </a:solidFill>
+                                      <a:latin typeface="Cambria Math" panose="02040503050406030204" pitchFamily="18" charset="0"/>
+                                    </a:rPr>
+                                    <m:t>′</m:t>
+                                  </m:r>
+                                  <m:r>
+                                    <a:rPr kumimoji="1" lang="en-US" altLang="ja-JP" sz="1050" b="0" i="1" smtClean="0">
+                                      <a:solidFill>
+                                        <a:sysClr val="windowText" lastClr="000000"/>
+                                      </a:solidFill>
+                                      <a:latin typeface="Cambria Math" panose="02040503050406030204" pitchFamily="18" charset="0"/>
+                                    </a:rPr>
                                     <m:t>h</m:t>
                                   </m:r>
                                 </m:e>
@@ -6400,6 +6418,24 @@
                                   <a:latin typeface="Cambria Math" panose="02040503050406030204" pitchFamily="18" charset="0"/>
                                 </a:rPr>
                                 <m:t> </m:t>
+                              </m:r>
+                              <m:r>
+                                <a:rPr kumimoji="1" lang="en-US" altLang="ja-JP" sz="1050" b="0" i="1" smtClean="0">
+                                  <a:solidFill>
+                                    <a:sysClr val="windowText" lastClr="000000"/>
+                                  </a:solidFill>
+                                  <a:latin typeface="Cambria Math" panose="02040503050406030204" pitchFamily="18" charset="0"/>
+                                </a:rPr>
+                                <m:t>𝑔</m:t>
+                              </m:r>
+                              <m:r>
+                                <a:rPr kumimoji="1" lang="en-US" altLang="ja-JP" sz="1050" b="0" i="1" smtClean="0">
+                                  <a:solidFill>
+                                    <a:sysClr val="windowText" lastClr="000000"/>
+                                  </a:solidFill>
+                                  <a:latin typeface="Cambria Math" panose="02040503050406030204" pitchFamily="18" charset="0"/>
+                                </a:rPr>
+                                <m:t>′</m:t>
                               </m:r>
                               <m:sSub>
                                 <m:sSubPr>
@@ -6552,7 +6588,7 @@
                                         </a:solidFill>
                                         <a:latin typeface="Cambria Math" panose="02040503050406030204" pitchFamily="18" charset="0"/>
                                       </a:rPr>
-                                      <m:t>APE</m:t>
+                                      <m:t>mass</m:t>
                                     </m:r>
                                   </m:sub>
                                 </m:sSub>
@@ -6794,6 +6830,24 @@
                           </a:pPr>
                           <a14:m>
                             <m:oMath xmlns:m="http://schemas.openxmlformats.org/officeDocument/2006/math">
+                              <m:r>
+                                <a:rPr kumimoji="1" lang="en-US" altLang="ja-JP" sz="1050" b="0" i="1" smtClean="0">
+                                  <a:solidFill>
+                                    <a:sysClr val="windowText" lastClr="000000"/>
+                                  </a:solidFill>
+                                  <a:latin typeface="Cambria Math" panose="02040503050406030204" pitchFamily="18" charset="0"/>
+                                </a:rPr>
+                                <m:t>𝑔</m:t>
+                              </m:r>
+                              <m:r>
+                                <a:rPr kumimoji="1" lang="en-US" altLang="ja-JP" sz="1050" b="0" i="1" smtClean="0">
+                                  <a:solidFill>
+                                    <a:sysClr val="windowText" lastClr="000000"/>
+                                  </a:solidFill>
+                                  <a:latin typeface="Cambria Math" panose="02040503050406030204" pitchFamily="18" charset="0"/>
+                                </a:rPr>
+                                <m:t>′</m:t>
+                              </m:r>
                               <m:r>
                                 <a:rPr kumimoji="1" lang="en-US" altLang="ja-JP" sz="1050" b="0" i="1" smtClean="0">
                                   <a:solidFill>
@@ -6837,6 +6891,24 @@
                                   </a:solidFill>
                                   <a:latin typeface="Cambria Math" panose="02040503050406030204" pitchFamily="18" charset="0"/>
                                 </a:rPr>
+                                <m:t>𝑔</m:t>
+                              </m:r>
+                              <m:r>
+                                <a:rPr kumimoji="1" lang="en-US" altLang="ja-JP" sz="1050" b="0" i="1" smtClean="0">
+                                  <a:solidFill>
+                                    <a:sysClr val="windowText" lastClr="000000"/>
+                                  </a:solidFill>
+                                  <a:latin typeface="Cambria Math" panose="02040503050406030204" pitchFamily="18" charset="0"/>
+                                </a:rPr>
+                                <m:t>′</m:t>
+                              </m:r>
+                              <m:r>
+                                <a:rPr kumimoji="1" lang="en-US" altLang="ja-JP" sz="1050" b="0" i="1" smtClean="0">
+                                  <a:solidFill>
+                                    <a:sysClr val="windowText" lastClr="000000"/>
+                                  </a:solidFill>
+                                  <a:latin typeface="Cambria Math" panose="02040503050406030204" pitchFamily="18" charset="0"/>
+                                </a:rPr>
                                 <m:t>h</m:t>
                               </m:r>
                               <m:r>
@@ -6962,7 +7034,7 @@
                                         </a:solidFill>
                                         <a:latin typeface="Cambria Math" panose="02040503050406030204" pitchFamily="18" charset="0"/>
                                       </a:rPr>
-                                      <m:t>mass</m:t>
+                                      <m:t>APE</m:t>
                                     </m:r>
                                   </m:sub>
                                 </m:sSub>
@@ -10125,7 +10197,7 @@
               <p:nvPr>
                 <p:extLst>
                   <p:ext uri="{D42A27DB-BD31-4B8C-83A1-F6EECF244321}">
-                    <p14:modId xmlns:p14="http://schemas.microsoft.com/office/powerpoint/2010/main" val="1563608306"/>
+                    <p14:modId xmlns:p14="http://schemas.microsoft.com/office/powerpoint/2010/main" val="340214249"/>
                   </p:ext>
                 </p:extLst>
               </p:nvPr>
@@ -10141,28 +10213,28 @@
                     <a:tableStyleId>{5C22544A-7EE6-4342-B048-85BDC9FD1C3A}</a:tableStyleId>
                   </a:tblPr>
                   <a:tblGrid>
-                    <a:gridCol w="2142959">
+                    <a:gridCol w="1883649">
                       <a:extLst>
                         <a:ext uri="{9D8B030D-6E8A-4147-A177-3AD203B41FA5}">
                           <a16:colId xmlns:a16="http://schemas.microsoft.com/office/drawing/2014/main" val="2975988940"/>
                         </a:ext>
                       </a:extLst>
                     </a:gridCol>
-                    <a:gridCol w="497305">
+                    <a:gridCol w="533400">
                       <a:extLst>
                         <a:ext uri="{9D8B030D-6E8A-4147-A177-3AD203B41FA5}">
                           <a16:colId xmlns:a16="http://schemas.microsoft.com/office/drawing/2014/main" val="613174984"/>
                         </a:ext>
                       </a:extLst>
                     </a:gridCol>
-                    <a:gridCol w="2458624">
+                    <a:gridCol w="2720340">
                       <a:extLst>
                         <a:ext uri="{9D8B030D-6E8A-4147-A177-3AD203B41FA5}">
                           <a16:colId xmlns:a16="http://schemas.microsoft.com/office/drawing/2014/main" val="1673692040"/>
                         </a:ext>
                       </a:extLst>
                     </a:gridCol>
-                    <a:gridCol w="695330">
+                    <a:gridCol w="656829">
                       <a:extLst>
                         <a:ext uri="{9D8B030D-6E8A-4147-A177-3AD203B41FA5}">
                           <a16:colId xmlns:a16="http://schemas.microsoft.com/office/drawing/2014/main" val="3046534917"/>
@@ -10581,7 +10653,7 @@
                         <a:blipFill>
                           <a:blip r:embed="rId2"/>
                           <a:stretch>
-                            <a:fillRect l="-435802" t="-93443" r="-641975" b="-1800000"/>
+                            <a:fillRect l="-352273" t="-93443" r="-631818" b="-1800000"/>
                           </a:stretch>
                         </a:blipFill>
                       </a:tcPr>
@@ -10708,7 +10780,7 @@
                         <a:blipFill>
                           <a:blip r:embed="rId2"/>
                           <a:stretch>
-                            <a:fillRect l="-735088" t="-93443" r="-1754" b="-1800000"/>
+                            <a:fillRect l="-781481" t="-93443" r="-1852" b="-1800000"/>
                           </a:stretch>
                         </a:blipFill>
                       </a:tcPr>
@@ -10859,7 +10931,7 @@
                         <a:blipFill>
                           <a:blip r:embed="rId2"/>
                           <a:stretch>
-                            <a:fillRect l="-435802" t="-193443" r="-641975" b="-1700000"/>
+                            <a:fillRect l="-352273" t="-193443" r="-631818" b="-1700000"/>
                           </a:stretch>
                         </a:blipFill>
                       </a:tcPr>
@@ -10986,7 +11058,7 @@
                         <a:blipFill>
                           <a:blip r:embed="rId2"/>
                           <a:stretch>
-                            <a:fillRect l="-735088" t="-193443" r="-1754" b="-1700000"/>
+                            <a:fillRect l="-781481" t="-193443" r="-1852" b="-1700000"/>
                           </a:stretch>
                         </a:blipFill>
                       </a:tcPr>
@@ -11120,7 +11192,7 @@
                         <a:blipFill>
                           <a:blip r:embed="rId2"/>
                           <a:stretch>
-                            <a:fillRect l="-435802" t="-293443" r="-641975" b="-1600000"/>
+                            <a:fillRect l="-352273" t="-293443" r="-631818" b="-1600000"/>
                           </a:stretch>
                         </a:blipFill>
                       </a:tcPr>
@@ -11247,7 +11319,7 @@
                         <a:blipFill>
                           <a:blip r:embed="rId2"/>
                           <a:stretch>
-                            <a:fillRect l="-735088" t="-293443" r="-1754" b="-1600000"/>
+                            <a:fillRect l="-781481" t="-293443" r="-1852" b="-1600000"/>
                           </a:stretch>
                         </a:blipFill>
                       </a:tcPr>
@@ -11381,7 +11453,7 @@
                         <a:blipFill>
                           <a:blip r:embed="rId2"/>
                           <a:stretch>
-                            <a:fillRect l="-435802" t="-393443" r="-641975" b="-1500000"/>
+                            <a:fillRect l="-352273" t="-393443" r="-631818" b="-1500000"/>
                           </a:stretch>
                         </a:blipFill>
                       </a:tcPr>
@@ -11508,7 +11580,7 @@
                         <a:blipFill>
                           <a:blip r:embed="rId2"/>
                           <a:stretch>
-                            <a:fillRect l="-735088" t="-393443" r="-1754" b="-1500000"/>
+                            <a:fillRect l="-781481" t="-393443" r="-1852" b="-1500000"/>
                           </a:stretch>
                         </a:blipFill>
                       </a:tcPr>
@@ -11642,7 +11714,7 @@
                         <a:blipFill>
                           <a:blip r:embed="rId2"/>
                           <a:stretch>
-                            <a:fillRect l="-435802" t="-493443" r="-641975" b="-1400000"/>
+                            <a:fillRect l="-352273" t="-493443" r="-631818" b="-1400000"/>
                           </a:stretch>
                         </a:blipFill>
                       </a:tcPr>
@@ -11769,7 +11841,7 @@
                         <a:blipFill>
                           <a:blip r:embed="rId2"/>
                           <a:stretch>
-                            <a:fillRect l="-735088" t="-493443" r="-1754" b="-1400000"/>
+                            <a:fillRect l="-781481" t="-493443" r="-1852" b="-1400000"/>
                           </a:stretch>
                         </a:blipFill>
                       </a:tcPr>
@@ -11903,7 +11975,7 @@
                         <a:blipFill>
                           <a:blip r:embed="rId2"/>
                           <a:stretch>
-                            <a:fillRect l="-435802" t="-593443" r="-641975" b="-1300000"/>
+                            <a:fillRect l="-352273" t="-593443" r="-631818" b="-1300000"/>
                           </a:stretch>
                         </a:blipFill>
                       </a:tcPr>
@@ -12030,7 +12102,7 @@
                         <a:blipFill>
                           <a:blip r:embed="rId2"/>
                           <a:stretch>
-                            <a:fillRect l="-735088" t="-593443" r="-1754" b="-1300000"/>
+                            <a:fillRect l="-781481" t="-593443" r="-1852" b="-1300000"/>
                           </a:stretch>
                         </a:blipFill>
                       </a:tcPr>
@@ -12164,7 +12236,7 @@
                         <a:blipFill>
                           <a:blip r:embed="rId2"/>
                           <a:stretch>
-                            <a:fillRect l="-435802" t="-705000" r="-641975" b="-1221667"/>
+                            <a:fillRect l="-352273" t="-705000" r="-631818" b="-1221667"/>
                           </a:stretch>
                         </a:blipFill>
                       </a:tcPr>
@@ -12291,7 +12363,7 @@
                         <a:blipFill>
                           <a:blip r:embed="rId2"/>
                           <a:stretch>
-                            <a:fillRect l="-735088" t="-705000" r="-1754" b="-1221667"/>
+                            <a:fillRect l="-781481" t="-705000" r="-1852" b="-1221667"/>
                           </a:stretch>
                         </a:blipFill>
                       </a:tcPr>
@@ -12425,7 +12497,7 @@
                         <a:blipFill>
                           <a:blip r:embed="rId2"/>
                           <a:stretch>
-                            <a:fillRect l="-435802" t="-791803" r="-641975" b="-1101639"/>
+                            <a:fillRect l="-352273" t="-791803" r="-631818" b="-1101639"/>
                           </a:stretch>
                         </a:blipFill>
                       </a:tcPr>
@@ -12552,7 +12624,7 @@
                         <a:blipFill>
                           <a:blip r:embed="rId2"/>
                           <a:stretch>
-                            <a:fillRect l="-735088" t="-791803" r="-1754" b="-1101639"/>
+                            <a:fillRect l="-781481" t="-791803" r="-1852" b="-1101639"/>
                           </a:stretch>
                         </a:blipFill>
                       </a:tcPr>
@@ -12686,7 +12758,7 @@
                         <a:blipFill>
                           <a:blip r:embed="rId2"/>
                           <a:stretch>
-                            <a:fillRect l="-435802" t="-891803" r="-641975" b="-1001639"/>
+                            <a:fillRect l="-352273" t="-891803" r="-631818" b="-1001639"/>
                           </a:stretch>
                         </a:blipFill>
                       </a:tcPr>
@@ -12747,7 +12819,7 @@
                         <a:blipFill>
                           <a:blip r:embed="rId2"/>
                           <a:stretch>
-                            <a:fillRect l="-107426" t="-891803" r="-28713" b="-1001639"/>
+                            <a:fillRect l="-89238" t="-891803" r="-24664" b="-1001639"/>
                           </a:stretch>
                         </a:blipFill>
                       </a:tcPr>
@@ -12808,7 +12880,7 @@
                         <a:blipFill>
                           <a:blip r:embed="rId2"/>
                           <a:stretch>
-                            <a:fillRect l="-735088" t="-891803" r="-1754" b="-1001639"/>
+                            <a:fillRect l="-781481" t="-891803" r="-1852" b="-1001639"/>
                           </a:stretch>
                         </a:blipFill>
                       </a:tcPr>
@@ -12942,7 +13014,7 @@
                         <a:blipFill>
                           <a:blip r:embed="rId2"/>
                           <a:stretch>
-                            <a:fillRect l="-435802" t="-991803" r="-641975" b="-901639"/>
+                            <a:fillRect l="-352273" t="-991803" r="-631818" b="-901639"/>
                           </a:stretch>
                         </a:blipFill>
                       </a:tcPr>
@@ -13003,7 +13075,7 @@
                         <a:blipFill>
                           <a:blip r:embed="rId2"/>
                           <a:stretch>
-                            <a:fillRect l="-107426" t="-991803" r="-28713" b="-901639"/>
+                            <a:fillRect l="-89238" t="-991803" r="-24664" b="-901639"/>
                           </a:stretch>
                         </a:blipFill>
                       </a:tcPr>
@@ -13064,7 +13136,7 @@
                         <a:blipFill>
                           <a:blip r:embed="rId2"/>
                           <a:stretch>
-                            <a:fillRect l="-735088" t="-991803" r="-1754" b="-901639"/>
+                            <a:fillRect l="-781481" t="-991803" r="-1852" b="-901639"/>
                           </a:stretch>
                         </a:blipFill>
                       </a:tcPr>
@@ -13198,7 +13270,7 @@
                         <a:blipFill>
                           <a:blip r:embed="rId2"/>
                           <a:stretch>
-                            <a:fillRect l="-435802" t="-1091803" r="-641975" b="-801639"/>
+                            <a:fillRect l="-352273" t="-1091803" r="-631818" b="-801639"/>
                           </a:stretch>
                         </a:blipFill>
                       </a:tcPr>
@@ -13335,7 +13407,7 @@
                         <a:blipFill>
                           <a:blip r:embed="rId2"/>
                           <a:stretch>
-                            <a:fillRect l="-735088" t="-1091803" r="-1754" b="-801639"/>
+                            <a:fillRect l="-781481" t="-1091803" r="-1852" b="-801639"/>
                           </a:stretch>
                         </a:blipFill>
                       </a:tcPr>
@@ -13469,7 +13541,7 @@
                         <a:blipFill>
                           <a:blip r:embed="rId2"/>
                           <a:stretch>
-                            <a:fillRect l="-435802" t="-1191803" r="-641975" b="-701639"/>
+                            <a:fillRect l="-352273" t="-1191803" r="-631818" b="-701639"/>
                           </a:stretch>
                         </a:blipFill>
                       </a:tcPr>
@@ -13596,7 +13668,7 @@
                         <a:blipFill>
                           <a:blip r:embed="rId2"/>
                           <a:stretch>
-                            <a:fillRect l="-735088" t="-1191803" r="-1754" b="-701639"/>
+                            <a:fillRect l="-781481" t="-1191803" r="-1852" b="-701639"/>
                           </a:stretch>
                         </a:blipFill>
                       </a:tcPr>
@@ -13730,7 +13802,7 @@
                         <a:blipFill>
                           <a:blip r:embed="rId2"/>
                           <a:stretch>
-                            <a:fillRect l="-435802" t="-1291803" r="-641975" b="-601639"/>
+                            <a:fillRect l="-352273" t="-1291803" r="-631818" b="-601639"/>
                           </a:stretch>
                         </a:blipFill>
                       </a:tcPr>
@@ -13857,7 +13929,7 @@
                         <a:blipFill>
                           <a:blip r:embed="rId2"/>
                           <a:stretch>
-                            <a:fillRect l="-735088" t="-1291803" r="-1754" b="-601639"/>
+                            <a:fillRect l="-781481" t="-1291803" r="-1852" b="-601639"/>
                           </a:stretch>
                         </a:blipFill>
                       </a:tcPr>
@@ -13991,7 +14063,7 @@
                         <a:blipFill>
                           <a:blip r:embed="rId2"/>
                           <a:stretch>
-                            <a:fillRect l="-435802" t="-1391803" r="-641975" b="-501639"/>
+                            <a:fillRect l="-352273" t="-1391803" r="-631818" b="-501639"/>
                           </a:stretch>
                         </a:blipFill>
                       </a:tcPr>
@@ -14118,7 +14190,7 @@
                         <a:blipFill>
                           <a:blip r:embed="rId2"/>
                           <a:stretch>
-                            <a:fillRect l="-735088" t="-1391803" r="-1754" b="-501639"/>
+                            <a:fillRect l="-781481" t="-1391803" r="-1852" b="-501639"/>
                           </a:stretch>
                         </a:blipFill>
                       </a:tcPr>
@@ -14252,7 +14324,7 @@
                         <a:blipFill>
                           <a:blip r:embed="rId2"/>
                           <a:stretch>
-                            <a:fillRect l="-435802" t="-1516667" r="-641975" b="-410000"/>
+                            <a:fillRect l="-352273" t="-1516667" r="-631818" b="-410000"/>
                           </a:stretch>
                         </a:blipFill>
                       </a:tcPr>
@@ -14379,7 +14451,7 @@
                         <a:blipFill>
                           <a:blip r:embed="rId2"/>
                           <a:stretch>
-                            <a:fillRect l="-735088" t="-1516667" r="-1754" b="-410000"/>
+                            <a:fillRect l="-781481" t="-1516667" r="-1852" b="-410000"/>
                           </a:stretch>
                         </a:blipFill>
                       </a:tcPr>
@@ -14513,7 +14585,7 @@
                         <a:blipFill>
                           <a:blip r:embed="rId2"/>
                           <a:stretch>
-                            <a:fillRect l="-435802" t="-1590164" r="-641975" b="-303279"/>
+                            <a:fillRect l="-352273" t="-1590164" r="-631818" b="-303279"/>
                           </a:stretch>
                         </a:blipFill>
                       </a:tcPr>
@@ -14640,7 +14712,7 @@
                         <a:blipFill>
                           <a:blip r:embed="rId2"/>
                           <a:stretch>
-                            <a:fillRect l="-735088" t="-1590164" r="-1754" b="-303279"/>
+                            <a:fillRect l="-781481" t="-1590164" r="-1852" b="-303279"/>
                           </a:stretch>
                         </a:blipFill>
                       </a:tcPr>
@@ -14774,7 +14846,7 @@
                         <a:blipFill>
                           <a:blip r:embed="rId2"/>
                           <a:stretch>
-                            <a:fillRect l="-435802" t="-1690164" r="-641975" b="-203279"/>
+                            <a:fillRect l="-352273" t="-1690164" r="-631818" b="-203279"/>
                           </a:stretch>
                         </a:blipFill>
                       </a:tcPr>
@@ -14901,7 +14973,7 @@
                         <a:blipFill>
                           <a:blip r:embed="rId2"/>
                           <a:stretch>
-                            <a:fillRect l="-735088" t="-1690164" r="-1754" b="-203279"/>
+                            <a:fillRect l="-781481" t="-1690164" r="-1852" b="-203279"/>
                           </a:stretch>
                         </a:blipFill>
                       </a:tcPr>
@@ -15035,7 +15107,7 @@
                         <a:blipFill>
                           <a:blip r:embed="rId2"/>
                           <a:stretch>
-                            <a:fillRect l="-435802" t="-1790164" r="-641975" b="-103279"/>
+                            <a:fillRect l="-352273" t="-1790164" r="-631818" b="-103279"/>
                           </a:stretch>
                         </a:blipFill>
                       </a:tcPr>
@@ -15162,7 +15234,7 @@
                         <a:blipFill>
                           <a:blip r:embed="rId2"/>
                           <a:stretch>
-                            <a:fillRect l="-735088" t="-1790164" r="-1754" b="-103279"/>
+                            <a:fillRect l="-781481" t="-1790164" r="-1852" b="-103279"/>
                           </a:stretch>
                         </a:blipFill>
                       </a:tcPr>
@@ -15296,7 +15368,7 @@
                         <a:blipFill>
                           <a:blip r:embed="rId2"/>
                           <a:stretch>
-                            <a:fillRect l="-435802" t="-1890164" r="-641975" b="-3279"/>
+                            <a:fillRect l="-352273" t="-1890164" r="-631818" b="-3279"/>
                           </a:stretch>
                         </a:blipFill>
                       </a:tcPr>
@@ -15423,7 +15495,7 @@
                         <a:blipFill>
                           <a:blip r:embed="rId2"/>
                           <a:stretch>
-                            <a:fillRect l="-735088" t="-1890164" r="-1754" b="-3279"/>
+                            <a:fillRect l="-781481" t="-1890164" r="-1852" b="-3279"/>
                           </a:stretch>
                         </a:blipFill>
                       </a:tcPr>
